--- a/project ppp.pptx
+++ b/project ppp.pptx
@@ -6420,7 +6420,7 @@
         <p:spPr>
           <a:xfrm>
             <a:off x="838200" y="3581627"/>
-            <a:ext cx="1964267" cy="365126"/>
+            <a:ext cx="2523067" cy="365126"/>
           </a:xfrm>
           <a:prstGeom prst="rect">
             <a:avLst/>
@@ -6617,14 +6617,255 @@
               <a:t>Link to </a:t>
             </a:r>
             <a:r>
+              <a:rPr lang="en-US" dirty="0" err="1">
+                <a:hlinkClick r:id="rId4"/>
+              </a:rPr>
+              <a:t>Nisim’s</a:t>
+            </a:r>
+            <a:r>
               <a:rPr lang="en-US" dirty="0">
                 <a:hlinkClick r:id="rId4"/>
               </a:rPr>
-              <a:t>G</a:t>
+              <a:t> G</a:t>
             </a:r>
             <a:r>
               <a:rPr lang="en-US" dirty="0">
                 <a:hlinkClick r:id="rId5"/>
+              </a:rPr>
+              <a:t>itHub</a:t>
+            </a:r>
+            <a:endParaRPr lang="en-US" dirty="0"/>
+          </a:p>
+        </p:txBody>
+      </p:sp>
+      <p:sp>
+        <p:nvSpPr>
+          <p:cNvPr id="4" name="Text Placeholder 11">
+            <a:extLst>
+              <a:ext uri="{FF2B5EF4-FFF2-40B4-BE49-F238E27FC236}">
+                <a16:creationId xmlns:a16="http://schemas.microsoft.com/office/drawing/2014/main" id="{33D8ECCB-DC17-4F28-86F3-B24ACC80E2D0}"/>
+              </a:ext>
+            </a:extLst>
+          </p:cNvPr>
+          <p:cNvSpPr txBox="1">
+            <a:spLocks/>
+          </p:cNvSpPr>
+          <p:nvPr/>
+        </p:nvSpPr>
+        <p:spPr>
+          <a:xfrm>
+            <a:off x="838200" y="3993844"/>
+            <a:ext cx="2523067" cy="365126"/>
+          </a:xfrm>
+          <a:prstGeom prst="rect">
+            <a:avLst/>
+          </a:prstGeom>
+        </p:spPr>
+        <p:txBody>
+          <a:bodyPr vert="horz" lIns="91440" tIns="45720" rIns="91440" bIns="45720" rtlCol="0">
+            <a:noAutofit/>
+          </a:bodyPr>
+          <a:lstStyle>
+            <a:lvl1pPr marL="0" indent="0" algn="l" defTabSz="914400" rtl="0" eaLnBrk="1" latinLnBrk="0" hangingPunct="1">
+              <a:lnSpc>
+                <a:spcPct val="90000"/>
+              </a:lnSpc>
+              <a:spcBef>
+                <a:spcPts val="1000"/>
+              </a:spcBef>
+              <a:buFont typeface="Arial" panose="020B0604020202020204" pitchFamily="34" charset="0"/>
+              <a:buNone/>
+              <a:defRPr sz="2000" kern="1200">
+                <a:solidFill>
+                  <a:schemeClr val="tx1">
+                    <a:lumMod val="85000"/>
+                    <a:lumOff val="15000"/>
+                  </a:schemeClr>
+                </a:solidFill>
+                <a:latin typeface="+mn-lt"/>
+                <a:ea typeface="+mn-ea"/>
+                <a:cs typeface="+mn-cs"/>
+              </a:defRPr>
+            </a:lvl1pPr>
+            <a:lvl2pPr marL="457200" indent="0" algn="l" defTabSz="914400" rtl="0" eaLnBrk="1" latinLnBrk="0" hangingPunct="1">
+              <a:lnSpc>
+                <a:spcPct val="90000"/>
+              </a:lnSpc>
+              <a:spcBef>
+                <a:spcPts val="500"/>
+              </a:spcBef>
+              <a:buFont typeface="Arial" panose="020B0604020202020204" pitchFamily="34" charset="0"/>
+              <a:buNone/>
+              <a:defRPr sz="2400" kern="1200">
+                <a:solidFill>
+                  <a:schemeClr val="tx1">
+                    <a:lumMod val="85000"/>
+                    <a:lumOff val="15000"/>
+                  </a:schemeClr>
+                </a:solidFill>
+                <a:latin typeface="+mn-lt"/>
+                <a:ea typeface="+mn-ea"/>
+                <a:cs typeface="+mn-cs"/>
+              </a:defRPr>
+            </a:lvl2pPr>
+            <a:lvl3pPr marL="914400" indent="0" algn="l" defTabSz="914400" rtl="0" eaLnBrk="1" latinLnBrk="0" hangingPunct="1">
+              <a:lnSpc>
+                <a:spcPct val="90000"/>
+              </a:lnSpc>
+              <a:spcBef>
+                <a:spcPts val="500"/>
+              </a:spcBef>
+              <a:buFont typeface="Arial" panose="020B0604020202020204" pitchFamily="34" charset="0"/>
+              <a:buNone/>
+              <a:defRPr sz="2000" kern="1200">
+                <a:solidFill>
+                  <a:schemeClr val="tx1">
+                    <a:lumMod val="85000"/>
+                    <a:lumOff val="15000"/>
+                  </a:schemeClr>
+                </a:solidFill>
+                <a:latin typeface="+mn-lt"/>
+                <a:ea typeface="+mn-ea"/>
+                <a:cs typeface="+mn-cs"/>
+              </a:defRPr>
+            </a:lvl3pPr>
+            <a:lvl4pPr marL="1371600" indent="0" algn="l" defTabSz="914400" rtl="0" eaLnBrk="1" latinLnBrk="0" hangingPunct="1">
+              <a:lnSpc>
+                <a:spcPct val="90000"/>
+              </a:lnSpc>
+              <a:spcBef>
+                <a:spcPts val="500"/>
+              </a:spcBef>
+              <a:buFont typeface="Arial" panose="020B0604020202020204" pitchFamily="34" charset="0"/>
+              <a:buNone/>
+              <a:defRPr sz="1800" kern="1200">
+                <a:solidFill>
+                  <a:schemeClr val="tx1">
+                    <a:lumMod val="85000"/>
+                    <a:lumOff val="15000"/>
+                  </a:schemeClr>
+                </a:solidFill>
+                <a:latin typeface="+mn-lt"/>
+                <a:ea typeface="+mn-ea"/>
+                <a:cs typeface="+mn-cs"/>
+              </a:defRPr>
+            </a:lvl4pPr>
+            <a:lvl5pPr marL="1828800" indent="0" algn="l" defTabSz="914400" rtl="0" eaLnBrk="1" latinLnBrk="0" hangingPunct="1">
+              <a:lnSpc>
+                <a:spcPct val="90000"/>
+              </a:lnSpc>
+              <a:spcBef>
+                <a:spcPts val="500"/>
+              </a:spcBef>
+              <a:buFont typeface="Arial" panose="020B0604020202020204" pitchFamily="34" charset="0"/>
+              <a:buNone/>
+              <a:defRPr sz="1800" kern="1200">
+                <a:solidFill>
+                  <a:schemeClr val="tx1">
+                    <a:lumMod val="85000"/>
+                    <a:lumOff val="15000"/>
+                  </a:schemeClr>
+                </a:solidFill>
+                <a:latin typeface="+mn-lt"/>
+                <a:ea typeface="+mn-ea"/>
+                <a:cs typeface="+mn-cs"/>
+              </a:defRPr>
+            </a:lvl5pPr>
+            <a:lvl6pPr marL="2514600" indent="-228600" algn="l" defTabSz="914400" rtl="0" eaLnBrk="1" latinLnBrk="0" hangingPunct="1">
+              <a:lnSpc>
+                <a:spcPct val="90000"/>
+              </a:lnSpc>
+              <a:spcBef>
+                <a:spcPts val="500"/>
+              </a:spcBef>
+              <a:buFont typeface="Arial" panose="020B0604020202020204" pitchFamily="34" charset="0"/>
+              <a:buChar char="•"/>
+              <a:defRPr sz="1800" kern="1200">
+                <a:solidFill>
+                  <a:schemeClr val="tx1"/>
+                </a:solidFill>
+                <a:latin typeface="+mn-lt"/>
+                <a:ea typeface="+mn-ea"/>
+                <a:cs typeface="+mn-cs"/>
+              </a:defRPr>
+            </a:lvl6pPr>
+            <a:lvl7pPr marL="2971800" indent="-228600" algn="l" defTabSz="914400" rtl="0" eaLnBrk="1" latinLnBrk="0" hangingPunct="1">
+              <a:lnSpc>
+                <a:spcPct val="90000"/>
+              </a:lnSpc>
+              <a:spcBef>
+                <a:spcPts val="500"/>
+              </a:spcBef>
+              <a:buFont typeface="Arial" panose="020B0604020202020204" pitchFamily="34" charset="0"/>
+              <a:buChar char="•"/>
+              <a:defRPr sz="1800" kern="1200">
+                <a:solidFill>
+                  <a:schemeClr val="tx1"/>
+                </a:solidFill>
+                <a:latin typeface="+mn-lt"/>
+                <a:ea typeface="+mn-ea"/>
+                <a:cs typeface="+mn-cs"/>
+              </a:defRPr>
+            </a:lvl7pPr>
+            <a:lvl8pPr marL="3429000" indent="-228600" algn="l" defTabSz="914400" rtl="0" eaLnBrk="1" latinLnBrk="0" hangingPunct="1">
+              <a:lnSpc>
+                <a:spcPct val="90000"/>
+              </a:lnSpc>
+              <a:spcBef>
+                <a:spcPts val="500"/>
+              </a:spcBef>
+              <a:buFont typeface="Arial" panose="020B0604020202020204" pitchFamily="34" charset="0"/>
+              <a:buChar char="•"/>
+              <a:defRPr sz="1800" kern="1200">
+                <a:solidFill>
+                  <a:schemeClr val="tx1"/>
+                </a:solidFill>
+                <a:latin typeface="+mn-lt"/>
+                <a:ea typeface="+mn-ea"/>
+                <a:cs typeface="+mn-cs"/>
+              </a:defRPr>
+            </a:lvl8pPr>
+            <a:lvl9pPr marL="3886200" indent="-228600" algn="l" defTabSz="914400" rtl="0" eaLnBrk="1" latinLnBrk="0" hangingPunct="1">
+              <a:lnSpc>
+                <a:spcPct val="90000"/>
+              </a:lnSpc>
+              <a:spcBef>
+                <a:spcPts val="500"/>
+              </a:spcBef>
+              <a:buFont typeface="Arial" panose="020B0604020202020204" pitchFamily="34" charset="0"/>
+              <a:buChar char="•"/>
+              <a:defRPr sz="1800" kern="1200">
+                <a:solidFill>
+                  <a:schemeClr val="tx1"/>
+                </a:solidFill>
+                <a:latin typeface="+mn-lt"/>
+                <a:ea typeface="+mn-ea"/>
+                <a:cs typeface="+mn-cs"/>
+              </a:defRPr>
+            </a:lvl9pPr>
+          </a:lstStyle>
+          <a:p>
+            <a:r>
+              <a:rPr lang="en-US" dirty="0">
+                <a:hlinkClick r:id="rId4"/>
+              </a:rPr>
+              <a:t>Link to </a:t>
+            </a:r>
+            <a:r>
+              <a:rPr lang="en-US" dirty="0" err="1">
+                <a:hlinkClick r:id="rId4"/>
+              </a:rPr>
+              <a:t>Refael’s</a:t>
+            </a:r>
+            <a:r>
+              <a:rPr lang="en-US" dirty="0">
+                <a:hlinkClick r:id="rId4"/>
+              </a:rPr>
+              <a:t> G</a:t>
+            </a:r>
+            <a:r>
+              <a:rPr lang="en-US" dirty="0">
+                <a:hlinkClick r:id="rId6"/>
               </a:rPr>
               <a:t>itHub</a:t>
             </a:r>
